--- a/AdvOS/PPT+papers/blagodurov-ATC11.pptx
+++ b/AdvOS/PPT+papers/blagodurov-ATC11.pptx
@@ -5,16 +5,29 @@
     <p:sldMasterId id="2147483878" r:id="rId1"/>
   </p:sldMasterIdLst>
   <p:notesMasterIdLst>
-    <p:notesMasterId r:id="rId6"/>
+    <p:notesMasterId r:id="rId19"/>
   </p:notesMasterIdLst>
   <p:handoutMasterIdLst>
-    <p:handoutMasterId r:id="rId7"/>
+    <p:handoutMasterId r:id="rId20"/>
   </p:handoutMasterIdLst>
   <p:sldIdLst>
     <p:sldId id="383" r:id="rId2"/>
     <p:sldId id="384" r:id="rId3"/>
     <p:sldId id="385" r:id="rId4"/>
     <p:sldId id="386" r:id="rId5"/>
+    <p:sldId id="387" r:id="rId6"/>
+    <p:sldId id="388" r:id="rId7"/>
+    <p:sldId id="389" r:id="rId8"/>
+    <p:sldId id="390" r:id="rId9"/>
+    <p:sldId id="391" r:id="rId10"/>
+    <p:sldId id="392" r:id="rId11"/>
+    <p:sldId id="393" r:id="rId12"/>
+    <p:sldId id="394" r:id="rId13"/>
+    <p:sldId id="395" r:id="rId14"/>
+    <p:sldId id="396" r:id="rId15"/>
+    <p:sldId id="397" r:id="rId16"/>
+    <p:sldId id="398" r:id="rId17"/>
+    <p:sldId id="399" r:id="rId18"/>
   </p:sldIdLst>
   <p:sldSz cx="9144000" cy="6858000" type="screen4x3"/>
   <p:notesSz cx="6858000" cy="9144000"/>
@@ -152,6 +165,19 @@
             <p14:sldId id="384"/>
             <p14:sldId id="385"/>
             <p14:sldId id="386"/>
+            <p14:sldId id="387"/>
+            <p14:sldId id="388"/>
+            <p14:sldId id="389"/>
+            <p14:sldId id="390"/>
+            <p14:sldId id="391"/>
+            <p14:sldId id="392"/>
+            <p14:sldId id="393"/>
+            <p14:sldId id="394"/>
+            <p14:sldId id="395"/>
+            <p14:sldId id="396"/>
+            <p14:sldId id="397"/>
+            <p14:sldId id="398"/>
+            <p14:sldId id="399"/>
           </p14:sldIdLst>
         </p14:section>
       </p14:sectionLst>
@@ -3021,6 +3047,1313 @@
 </p:sld>
 </file>
 
+<file path=ppt/slides/slide10.xml><?xml version="1.0" encoding="utf-8"?>
+<p:sld xmlns:a="http://schemas.openxmlformats.org/drawingml/2006/main" xmlns:r="http://schemas.openxmlformats.org/officeDocument/2006/relationships" xmlns:p="http://schemas.openxmlformats.org/presentationml/2006/main">
+  <p:cSld>
+    <p:spTree>
+      <p:nvGrpSpPr>
+        <p:cNvPr id="1" name=""/>
+        <p:cNvGrpSpPr/>
+        <p:nvPr/>
+      </p:nvGrpSpPr>
+      <p:grpSpPr>
+        <a:xfrm>
+          <a:off x="0" y="0"/>
+          <a:ext cx="0" cy="0"/>
+          <a:chOff x="0" y="0"/>
+          <a:chExt cx="0" cy="0"/>
+        </a:xfrm>
+      </p:grpSpPr>
+      <p:sp>
+        <p:nvSpPr>
+          <p:cNvPr id="2" name="Title 1">
+            <a:extLst>
+              <a:ext uri="{FF2B5EF4-FFF2-40B4-BE49-F238E27FC236}">
+                <a16:creationId xmlns:a16="http://schemas.microsoft.com/office/drawing/2014/main" id="{50EBBFAA-DA8C-4AA3-B6B4-8C93E1403914}"/>
+              </a:ext>
+            </a:extLst>
+          </p:cNvPr>
+          <p:cNvSpPr>
+            <a:spLocks noGrp="1"/>
+          </p:cNvSpPr>
+          <p:nvPr>
+            <p:ph type="title"/>
+          </p:nvPr>
+        </p:nvSpPr>
+        <p:spPr/>
+        <p:txBody>
+          <a:bodyPr/>
+          <a:lstStyle/>
+          <a:p>
+            <a:r>
+              <a:rPr lang="en-US" altLang="en-US" dirty="0"/>
+              <a:t>Characterization Method</a:t>
+            </a:r>
+            <a:endParaRPr lang="en-SE" dirty="0"/>
+          </a:p>
+        </p:txBody>
+      </p:sp>
+      <p:sp>
+        <p:nvSpPr>
+          <p:cNvPr id="3" name="Content Placeholder 2">
+            <a:extLst>
+              <a:ext uri="{FF2B5EF4-FFF2-40B4-BE49-F238E27FC236}">
+                <a16:creationId xmlns:a16="http://schemas.microsoft.com/office/drawing/2014/main" id="{7F200525-F59A-4694-8E61-AA901D517370}"/>
+              </a:ext>
+            </a:extLst>
+          </p:cNvPr>
+          <p:cNvSpPr>
+            <a:spLocks noGrp="1"/>
+          </p:cNvSpPr>
+          <p:nvPr>
+            <p:ph idx="1"/>
+          </p:nvPr>
+        </p:nvSpPr>
+        <p:spPr/>
+        <p:txBody>
+          <a:bodyPr>
+            <a:normAutofit fontScale="77500" lnSpcReduction="20000"/>
+          </a:bodyPr>
+          <a:lstStyle/>
+          <a:p>
+            <a:r>
+              <a:rPr lang="en-US" b="1" dirty="0"/>
+              <a:t>Limited observability</a:t>
+            </a:r>
+          </a:p>
+          <a:p>
+            <a:pPr lvl="1"/>
+            <a:r>
+              <a:rPr lang="en-US" dirty="0"/>
+              <a:t>We do not know for sure if threads compete and how severely</a:t>
+            </a:r>
+          </a:p>
+          <a:p>
+            <a:pPr lvl="1"/>
+            <a:r>
+              <a:rPr lang="en-US" dirty="0"/>
+              <a:t>Hardware does not tell us</a:t>
+            </a:r>
+          </a:p>
+          <a:p>
+            <a:r>
+              <a:rPr lang="en-US" b="1" dirty="0"/>
+              <a:t>Trial and error infeasible on large systems</a:t>
+            </a:r>
+          </a:p>
+          <a:p>
+            <a:pPr lvl="1"/>
+            <a:r>
+              <a:rPr lang="en-US" dirty="0" err="1"/>
+              <a:t>Canʼt</a:t>
+            </a:r>
+            <a:r>
+              <a:rPr lang="en-US" dirty="0"/>
+              <a:t> try all possible combinations</a:t>
+            </a:r>
+          </a:p>
+          <a:p>
+            <a:pPr lvl="1"/>
+            <a:r>
+              <a:rPr lang="en-US" dirty="0"/>
+              <a:t>Even sampling becomes difficult</a:t>
+            </a:r>
+          </a:p>
+          <a:p>
+            <a:r>
+              <a:rPr lang="en-US" b="1" dirty="0"/>
+              <a:t>A good trade-off: measure LLC (Last Level Cache) Miss rate!</a:t>
+            </a:r>
+          </a:p>
+          <a:p>
+            <a:pPr lvl="1"/>
+            <a:r>
+              <a:rPr lang="en-US" dirty="0"/>
+              <a:t>Assumes that threads interfere if they have high miss rates</a:t>
+            </a:r>
+          </a:p>
+          <a:p>
+            <a:pPr lvl="1"/>
+            <a:r>
+              <a:rPr lang="en-US" dirty="0"/>
+              <a:t>No account for cache contention impact</a:t>
+            </a:r>
+          </a:p>
+          <a:p>
+            <a:pPr lvl="1"/>
+            <a:r>
+              <a:rPr lang="en-US" dirty="0"/>
+              <a:t>Works well because cache contention is not dominant</a:t>
+            </a:r>
+            <a:endParaRPr lang="en-SE" dirty="0"/>
+          </a:p>
+        </p:txBody>
+      </p:sp>
+      <p:sp>
+        <p:nvSpPr>
+          <p:cNvPr id="4" name="Slide Number Placeholder 3">
+            <a:extLst>
+              <a:ext uri="{FF2B5EF4-FFF2-40B4-BE49-F238E27FC236}">
+                <a16:creationId xmlns:a16="http://schemas.microsoft.com/office/drawing/2014/main" id="{98B14D60-8FA1-41B4-BD1F-03C82DFB9A0C}"/>
+              </a:ext>
+            </a:extLst>
+          </p:cNvPr>
+          <p:cNvSpPr>
+            <a:spLocks noGrp="1"/>
+          </p:cNvSpPr>
+          <p:nvPr>
+            <p:ph type="sldNum" sz="quarter" idx="12"/>
+          </p:nvPr>
+        </p:nvSpPr>
+        <p:spPr/>
+        <p:txBody>
+          <a:bodyPr/>
+          <a:lstStyle/>
+          <a:p>
+            <a:pPr>
+              <a:defRPr/>
+            </a:pPr>
+            <a:fld id="{F57F456A-00AF-44E6-8D70-638C0D0130FF}" type="slidenum">
+              <a:rPr lang="en-US" altLang="zh-CN" smtClean="0"/>
+              <a:pPr>
+                <a:defRPr/>
+              </a:pPr>
+              <a:t>10</a:t>
+            </a:fld>
+            <a:endParaRPr lang="en-US" altLang="zh-CN" dirty="0"/>
+          </a:p>
+        </p:txBody>
+      </p:sp>
+    </p:spTree>
+    <p:extLst>
+      <p:ext uri="{BB962C8B-B14F-4D97-AF65-F5344CB8AC3E}">
+        <p14:creationId xmlns:p14="http://schemas.microsoft.com/office/powerpoint/2010/main" val="2604997005"/>
+      </p:ext>
+    </p:extLst>
+  </p:cSld>
+  <p:clrMapOvr>
+    <a:masterClrMapping/>
+  </p:clrMapOvr>
+</p:sld>
+</file>
+
+<file path=ppt/slides/slide11.xml><?xml version="1.0" encoding="utf-8"?>
+<p:sld xmlns:a="http://schemas.openxmlformats.org/drawingml/2006/main" xmlns:r="http://schemas.openxmlformats.org/officeDocument/2006/relationships" xmlns:p="http://schemas.openxmlformats.org/presentationml/2006/main">
+  <p:cSld>
+    <p:spTree>
+      <p:nvGrpSpPr>
+        <p:cNvPr id="1" name=""/>
+        <p:cNvGrpSpPr/>
+        <p:nvPr/>
+      </p:nvGrpSpPr>
+      <p:grpSpPr>
+        <a:xfrm>
+          <a:off x="0" y="0"/>
+          <a:ext cx="0" cy="0"/>
+          <a:chOff x="0" y="0"/>
+          <a:chExt cx="0" cy="0"/>
+        </a:xfrm>
+      </p:grpSpPr>
+      <p:sp>
+        <p:nvSpPr>
+          <p:cNvPr id="2" name="Title 1">
+            <a:extLst>
+              <a:ext uri="{FF2B5EF4-FFF2-40B4-BE49-F238E27FC236}">
+                <a16:creationId xmlns:a16="http://schemas.microsoft.com/office/drawing/2014/main" id="{DB27C358-A31C-4551-8675-3B89E9B8A35B}"/>
+              </a:ext>
+            </a:extLst>
+          </p:cNvPr>
+          <p:cNvSpPr>
+            <a:spLocks noGrp="1"/>
+          </p:cNvSpPr>
+          <p:nvPr>
+            <p:ph type="title"/>
+          </p:nvPr>
+        </p:nvSpPr>
+        <p:spPr/>
+        <p:txBody>
+          <a:bodyPr/>
+          <a:lstStyle/>
+          <a:p>
+            <a:r>
+              <a:rPr lang="en-US" altLang="en-US" sz="2800" dirty="0"/>
+              <a:t>Our previous work: an algorithm for UMA systems</a:t>
+            </a:r>
+            <a:br>
+              <a:rPr lang="en-US" altLang="en-US" sz="2800" dirty="0"/>
+            </a:br>
+            <a:r>
+              <a:rPr lang="en-US" altLang="en-US" sz="2800" dirty="0"/>
+              <a:t>Distributed Intensity (DI-Plain)</a:t>
+            </a:r>
+            <a:endParaRPr lang="en-SE" sz="2800" dirty="0"/>
+          </a:p>
+        </p:txBody>
+      </p:sp>
+      <p:sp>
+        <p:nvSpPr>
+          <p:cNvPr id="3" name="Content Placeholder 2">
+            <a:extLst>
+              <a:ext uri="{FF2B5EF4-FFF2-40B4-BE49-F238E27FC236}">
+                <a16:creationId xmlns:a16="http://schemas.microsoft.com/office/drawing/2014/main" id="{480BBC14-6DA5-4521-A211-9F51AD0BDE8E}"/>
+              </a:ext>
+            </a:extLst>
+          </p:cNvPr>
+          <p:cNvSpPr>
+            <a:spLocks noGrp="1"/>
+          </p:cNvSpPr>
+          <p:nvPr>
+            <p:ph idx="1"/>
+          </p:nvPr>
+        </p:nvSpPr>
+        <p:spPr/>
+        <p:txBody>
+          <a:bodyPr/>
+          <a:lstStyle/>
+          <a:p>
+            <a:endParaRPr lang="en-SE"/>
+          </a:p>
+        </p:txBody>
+      </p:sp>
+      <p:sp>
+        <p:nvSpPr>
+          <p:cNvPr id="4" name="Slide Number Placeholder 3">
+            <a:extLst>
+              <a:ext uri="{FF2B5EF4-FFF2-40B4-BE49-F238E27FC236}">
+                <a16:creationId xmlns:a16="http://schemas.microsoft.com/office/drawing/2014/main" id="{036BD4A8-247F-4993-A5A2-094346EF0068}"/>
+              </a:ext>
+            </a:extLst>
+          </p:cNvPr>
+          <p:cNvSpPr>
+            <a:spLocks noGrp="1"/>
+          </p:cNvSpPr>
+          <p:nvPr>
+            <p:ph type="sldNum" sz="quarter" idx="12"/>
+          </p:nvPr>
+        </p:nvSpPr>
+        <p:spPr/>
+        <p:txBody>
+          <a:bodyPr/>
+          <a:lstStyle/>
+          <a:p>
+            <a:pPr>
+              <a:defRPr/>
+            </a:pPr>
+            <a:fld id="{F57F456A-00AF-44E6-8D70-638C0D0130FF}" type="slidenum">
+              <a:rPr lang="en-US" altLang="zh-CN" smtClean="0"/>
+              <a:pPr>
+                <a:defRPr/>
+              </a:pPr>
+              <a:t>11</a:t>
+            </a:fld>
+            <a:endParaRPr lang="en-US" altLang="zh-CN" dirty="0"/>
+          </a:p>
+        </p:txBody>
+      </p:sp>
+      <p:pic>
+        <p:nvPicPr>
+          <p:cNvPr id="5" name="Picture 4">
+            <a:extLst>
+              <a:ext uri="{FF2B5EF4-FFF2-40B4-BE49-F238E27FC236}">
+                <a16:creationId xmlns:a16="http://schemas.microsoft.com/office/drawing/2014/main" id="{CD2E6146-7195-4842-AAF3-209B6FBFE533}"/>
+              </a:ext>
+            </a:extLst>
+          </p:cNvPr>
+          <p:cNvPicPr>
+            <a:picLocks noChangeAspect="1"/>
+          </p:cNvPicPr>
+          <p:nvPr/>
+        </p:nvPicPr>
+        <p:blipFill>
+          <a:blip r:embed="rId2"/>
+          <a:stretch>
+            <a:fillRect/>
+          </a:stretch>
+        </p:blipFill>
+        <p:spPr>
+          <a:xfrm>
+            <a:off x="0" y="1204849"/>
+            <a:ext cx="9083545" cy="5390092"/>
+          </a:xfrm>
+          <a:prstGeom prst="rect">
+            <a:avLst/>
+          </a:prstGeom>
+        </p:spPr>
+      </p:pic>
+    </p:spTree>
+    <p:extLst>
+      <p:ext uri="{BB962C8B-B14F-4D97-AF65-F5344CB8AC3E}">
+        <p14:creationId xmlns:p14="http://schemas.microsoft.com/office/powerpoint/2010/main" val="947411120"/>
+      </p:ext>
+    </p:extLst>
+  </p:cSld>
+  <p:clrMapOvr>
+    <a:masterClrMapping/>
+  </p:clrMapOvr>
+</p:sld>
+</file>
+
+<file path=ppt/slides/slide12.xml><?xml version="1.0" encoding="utf-8"?>
+<p:sld xmlns:a="http://schemas.openxmlformats.org/drawingml/2006/main" xmlns:r="http://schemas.openxmlformats.org/officeDocument/2006/relationships" xmlns:p="http://schemas.openxmlformats.org/presentationml/2006/main">
+  <p:cSld>
+    <p:spTree>
+      <p:nvGrpSpPr>
+        <p:cNvPr id="1" name=""/>
+        <p:cNvGrpSpPr/>
+        <p:nvPr/>
+      </p:nvGrpSpPr>
+      <p:grpSpPr>
+        <a:xfrm>
+          <a:off x="0" y="0"/>
+          <a:ext cx="0" cy="0"/>
+          <a:chOff x="0" y="0"/>
+          <a:chExt cx="0" cy="0"/>
+        </a:xfrm>
+      </p:grpSpPr>
+      <p:sp>
+        <p:nvSpPr>
+          <p:cNvPr id="2" name="Title 1">
+            <a:extLst>
+              <a:ext uri="{FF2B5EF4-FFF2-40B4-BE49-F238E27FC236}">
+                <a16:creationId xmlns:a16="http://schemas.microsoft.com/office/drawing/2014/main" id="{DA746F50-11E4-4849-B1B8-F3567D938F63}"/>
+              </a:ext>
+            </a:extLst>
+          </p:cNvPr>
+          <p:cNvSpPr>
+            <a:spLocks noGrp="1"/>
+          </p:cNvSpPr>
+          <p:nvPr>
+            <p:ph type="title"/>
+          </p:nvPr>
+        </p:nvSpPr>
+        <p:spPr/>
+        <p:txBody>
+          <a:bodyPr/>
+          <a:lstStyle/>
+          <a:p>
+            <a:r>
+              <a:rPr lang="en-US" dirty="0"/>
+              <a:t>DI-Plain on NUMA system</a:t>
+            </a:r>
+            <a:endParaRPr lang="en-SE" dirty="0"/>
+          </a:p>
+        </p:txBody>
+      </p:sp>
+      <p:sp>
+        <p:nvSpPr>
+          <p:cNvPr id="3" name="Content Placeholder 2">
+            <a:extLst>
+              <a:ext uri="{FF2B5EF4-FFF2-40B4-BE49-F238E27FC236}">
+                <a16:creationId xmlns:a16="http://schemas.microsoft.com/office/drawing/2014/main" id="{C86AE4F0-7D45-4E13-9F9A-C05BF133D4C1}"/>
+              </a:ext>
+            </a:extLst>
+          </p:cNvPr>
+          <p:cNvSpPr>
+            <a:spLocks noGrp="1"/>
+          </p:cNvSpPr>
+          <p:nvPr>
+            <p:ph idx="1"/>
+          </p:nvPr>
+        </p:nvSpPr>
+        <p:spPr>
+          <a:xfrm>
+            <a:off x="323528" y="1196753"/>
+            <a:ext cx="8568952" cy="2336372"/>
+          </a:xfrm>
+        </p:spPr>
+        <p:txBody>
+          <a:bodyPr>
+            <a:normAutofit fontScale="92500" lnSpcReduction="20000"/>
+          </a:bodyPr>
+          <a:lstStyle/>
+          <a:p>
+            <a:r>
+              <a:rPr lang="en-US" dirty="0"/>
+              <a:t>DI-Plain hurts performance on NUMA systems because it does not migrate memory!</a:t>
+            </a:r>
+          </a:p>
+          <a:p>
+            <a:r>
+              <a:rPr lang="en-US" dirty="0"/>
+              <a:t>Failing to migrate memory leaves MC and introduces RL</a:t>
+            </a:r>
+            <a:endParaRPr lang="en-SE" dirty="0"/>
+          </a:p>
+        </p:txBody>
+      </p:sp>
+      <p:sp>
+        <p:nvSpPr>
+          <p:cNvPr id="4" name="Slide Number Placeholder 3">
+            <a:extLst>
+              <a:ext uri="{FF2B5EF4-FFF2-40B4-BE49-F238E27FC236}">
+                <a16:creationId xmlns:a16="http://schemas.microsoft.com/office/drawing/2014/main" id="{94CF2A4E-2386-4E3E-A5F4-0C0799801C3A}"/>
+              </a:ext>
+            </a:extLst>
+          </p:cNvPr>
+          <p:cNvSpPr>
+            <a:spLocks noGrp="1"/>
+          </p:cNvSpPr>
+          <p:nvPr>
+            <p:ph type="sldNum" sz="quarter" idx="12"/>
+          </p:nvPr>
+        </p:nvSpPr>
+        <p:spPr/>
+        <p:txBody>
+          <a:bodyPr/>
+          <a:lstStyle/>
+          <a:p>
+            <a:pPr>
+              <a:defRPr/>
+            </a:pPr>
+            <a:fld id="{F57F456A-00AF-44E6-8D70-638C0D0130FF}" type="slidenum">
+              <a:rPr lang="en-US" altLang="zh-CN" smtClean="0"/>
+              <a:pPr>
+                <a:defRPr/>
+              </a:pPr>
+              <a:t>12</a:t>
+            </a:fld>
+            <a:endParaRPr lang="en-US" altLang="zh-CN" dirty="0"/>
+          </a:p>
+        </p:txBody>
+      </p:sp>
+      <p:pic>
+        <p:nvPicPr>
+          <p:cNvPr id="5" name="Picture 4">
+            <a:extLst>
+              <a:ext uri="{FF2B5EF4-FFF2-40B4-BE49-F238E27FC236}">
+                <a16:creationId xmlns:a16="http://schemas.microsoft.com/office/drawing/2014/main" id="{7767D403-345C-4560-96F0-4080DC6B9611}"/>
+              </a:ext>
+            </a:extLst>
+          </p:cNvPr>
+          <p:cNvPicPr>
+            <a:picLocks noChangeAspect="1"/>
+          </p:cNvPicPr>
+          <p:nvPr/>
+        </p:nvPicPr>
+        <p:blipFill>
+          <a:blip r:embed="rId2"/>
+          <a:stretch>
+            <a:fillRect/>
+          </a:stretch>
+        </p:blipFill>
+        <p:spPr>
+          <a:xfrm>
+            <a:off x="958391" y="3429000"/>
+            <a:ext cx="7227217" cy="3248649"/>
+          </a:xfrm>
+          <a:prstGeom prst="rect">
+            <a:avLst/>
+          </a:prstGeom>
+        </p:spPr>
+      </p:pic>
+    </p:spTree>
+    <p:extLst>
+      <p:ext uri="{BB962C8B-B14F-4D97-AF65-F5344CB8AC3E}">
+        <p14:creationId xmlns:p14="http://schemas.microsoft.com/office/powerpoint/2010/main" val="1525421804"/>
+      </p:ext>
+    </p:extLst>
+  </p:cSld>
+  <p:clrMapOvr>
+    <a:masterClrMapping/>
+  </p:clrMapOvr>
+</p:sld>
+</file>
+
+<file path=ppt/slides/slide13.xml><?xml version="1.0" encoding="utf-8"?>
+<p:sld xmlns:a="http://schemas.openxmlformats.org/drawingml/2006/main" xmlns:r="http://schemas.openxmlformats.org/officeDocument/2006/relationships" xmlns:p="http://schemas.openxmlformats.org/presentationml/2006/main">
+  <p:cSld>
+    <p:spTree>
+      <p:nvGrpSpPr>
+        <p:cNvPr id="1" name=""/>
+        <p:cNvGrpSpPr/>
+        <p:nvPr/>
+      </p:nvGrpSpPr>
+      <p:grpSpPr>
+        <a:xfrm>
+          <a:off x="0" y="0"/>
+          <a:ext cx="0" cy="0"/>
+          <a:chOff x="0" y="0"/>
+          <a:chExt cx="0" cy="0"/>
+        </a:xfrm>
+      </p:grpSpPr>
+      <p:sp>
+        <p:nvSpPr>
+          <p:cNvPr id="2" name="Title 1">
+            <a:extLst>
+              <a:ext uri="{FF2B5EF4-FFF2-40B4-BE49-F238E27FC236}">
+                <a16:creationId xmlns:a16="http://schemas.microsoft.com/office/drawing/2014/main" id="{B3505F93-E6C4-4F7C-B00F-3BB620B0E10A}"/>
+              </a:ext>
+            </a:extLst>
+          </p:cNvPr>
+          <p:cNvSpPr>
+            <a:spLocks noGrp="1"/>
+          </p:cNvSpPr>
+          <p:nvPr>
+            <p:ph type="title"/>
+          </p:nvPr>
+        </p:nvSpPr>
+        <p:spPr/>
+        <p:txBody>
+          <a:bodyPr/>
+          <a:lstStyle/>
+          <a:p>
+            <a:r>
+              <a:rPr lang="en-US" altLang="en-US" dirty="0"/>
+              <a:t>Solution #1: Distributed Intensity</a:t>
+            </a:r>
+            <a:br>
+              <a:rPr lang="en-US" altLang="en-US" dirty="0"/>
+            </a:br>
+            <a:r>
+              <a:rPr lang="en-US" altLang="en-US" dirty="0"/>
+              <a:t>with memory migration (DI-Migrate)</a:t>
+            </a:r>
+            <a:endParaRPr lang="en-SE" dirty="0"/>
+          </a:p>
+        </p:txBody>
+      </p:sp>
+      <p:sp>
+        <p:nvSpPr>
+          <p:cNvPr id="3" name="Content Placeholder 2">
+            <a:extLst>
+              <a:ext uri="{FF2B5EF4-FFF2-40B4-BE49-F238E27FC236}">
+                <a16:creationId xmlns:a16="http://schemas.microsoft.com/office/drawing/2014/main" id="{7DC87723-1859-4AE0-BEA2-CFA336AED547}"/>
+              </a:ext>
+            </a:extLst>
+          </p:cNvPr>
+          <p:cNvSpPr>
+            <a:spLocks noGrp="1"/>
+          </p:cNvSpPr>
+          <p:nvPr>
+            <p:ph idx="1"/>
+          </p:nvPr>
+        </p:nvSpPr>
+        <p:spPr/>
+        <p:txBody>
+          <a:bodyPr/>
+          <a:lstStyle/>
+          <a:p>
+            <a:endParaRPr lang="en-SE"/>
+          </a:p>
+        </p:txBody>
+      </p:sp>
+      <p:sp>
+        <p:nvSpPr>
+          <p:cNvPr id="4" name="Slide Number Placeholder 3">
+            <a:extLst>
+              <a:ext uri="{FF2B5EF4-FFF2-40B4-BE49-F238E27FC236}">
+                <a16:creationId xmlns:a16="http://schemas.microsoft.com/office/drawing/2014/main" id="{10EC2920-57A2-4948-87BE-6D3BC7AE0C55}"/>
+              </a:ext>
+            </a:extLst>
+          </p:cNvPr>
+          <p:cNvSpPr>
+            <a:spLocks noGrp="1"/>
+          </p:cNvSpPr>
+          <p:nvPr>
+            <p:ph type="sldNum" sz="quarter" idx="12"/>
+          </p:nvPr>
+        </p:nvSpPr>
+        <p:spPr/>
+        <p:txBody>
+          <a:bodyPr/>
+          <a:lstStyle/>
+          <a:p>
+            <a:pPr>
+              <a:defRPr/>
+            </a:pPr>
+            <a:fld id="{F57F456A-00AF-44E6-8D70-638C0D0130FF}" type="slidenum">
+              <a:rPr lang="en-US" altLang="zh-CN" smtClean="0"/>
+              <a:pPr>
+                <a:defRPr/>
+              </a:pPr>
+              <a:t>13</a:t>
+            </a:fld>
+            <a:endParaRPr lang="en-US" altLang="zh-CN" dirty="0"/>
+          </a:p>
+        </p:txBody>
+      </p:sp>
+      <p:pic>
+        <p:nvPicPr>
+          <p:cNvPr id="5" name="Picture 4">
+            <a:extLst>
+              <a:ext uri="{FF2B5EF4-FFF2-40B4-BE49-F238E27FC236}">
+                <a16:creationId xmlns:a16="http://schemas.microsoft.com/office/drawing/2014/main" id="{AD21CCE4-52AA-467F-8F47-B6470A2C8C83}"/>
+              </a:ext>
+            </a:extLst>
+          </p:cNvPr>
+          <p:cNvPicPr>
+            <a:picLocks noChangeAspect="1"/>
+          </p:cNvPicPr>
+          <p:nvPr/>
+        </p:nvPicPr>
+        <p:blipFill>
+          <a:blip r:embed="rId2"/>
+          <a:stretch>
+            <a:fillRect/>
+          </a:stretch>
+        </p:blipFill>
+        <p:spPr>
+          <a:xfrm>
+            <a:off x="144638" y="1449955"/>
+            <a:ext cx="8854724" cy="5077534"/>
+          </a:xfrm>
+          <a:prstGeom prst="rect">
+            <a:avLst/>
+          </a:prstGeom>
+        </p:spPr>
+      </p:pic>
+    </p:spTree>
+    <p:extLst>
+      <p:ext uri="{BB962C8B-B14F-4D97-AF65-F5344CB8AC3E}">
+        <p14:creationId xmlns:p14="http://schemas.microsoft.com/office/powerpoint/2010/main" val="6358790"/>
+      </p:ext>
+    </p:extLst>
+  </p:cSld>
+  <p:clrMapOvr>
+    <a:masterClrMapping/>
+  </p:clrMapOvr>
+</p:sld>
+</file>
+
+<file path=ppt/slides/slide14.xml><?xml version="1.0" encoding="utf-8"?>
+<p:sld xmlns:a="http://schemas.openxmlformats.org/drawingml/2006/main" xmlns:r="http://schemas.openxmlformats.org/officeDocument/2006/relationships" xmlns:p="http://schemas.openxmlformats.org/presentationml/2006/main">
+  <p:cSld>
+    <p:spTree>
+      <p:nvGrpSpPr>
+        <p:cNvPr id="1" name=""/>
+        <p:cNvGrpSpPr/>
+        <p:nvPr/>
+      </p:nvGrpSpPr>
+      <p:grpSpPr>
+        <a:xfrm>
+          <a:off x="0" y="0"/>
+          <a:ext cx="0" cy="0"/>
+          <a:chOff x="0" y="0"/>
+          <a:chExt cx="0" cy="0"/>
+        </a:xfrm>
+      </p:grpSpPr>
+      <p:sp>
+        <p:nvSpPr>
+          <p:cNvPr id="2" name="Title 1">
+            <a:extLst>
+              <a:ext uri="{FF2B5EF4-FFF2-40B4-BE49-F238E27FC236}">
+                <a16:creationId xmlns:a16="http://schemas.microsoft.com/office/drawing/2014/main" id="{8A0BF94F-B52A-45B4-BB22-31DD5A6C6F04}"/>
+              </a:ext>
+            </a:extLst>
+          </p:cNvPr>
+          <p:cNvSpPr>
+            <a:spLocks noGrp="1"/>
+          </p:cNvSpPr>
+          <p:nvPr>
+            <p:ph type="title"/>
+          </p:nvPr>
+        </p:nvSpPr>
+        <p:spPr/>
+        <p:txBody>
+          <a:bodyPr/>
+          <a:lstStyle/>
+          <a:p>
+            <a:r>
+              <a:rPr lang="en-US" altLang="en-US" dirty="0"/>
+              <a:t>DI-Migrate Performance</a:t>
+            </a:r>
+            <a:endParaRPr lang="en-SE" dirty="0"/>
+          </a:p>
+        </p:txBody>
+      </p:sp>
+      <p:sp>
+        <p:nvSpPr>
+          <p:cNvPr id="3" name="Content Placeholder 2">
+            <a:extLst>
+              <a:ext uri="{FF2B5EF4-FFF2-40B4-BE49-F238E27FC236}">
+                <a16:creationId xmlns:a16="http://schemas.microsoft.com/office/drawing/2014/main" id="{F161F58B-96FD-4894-B762-99B9B86E086D}"/>
+              </a:ext>
+            </a:extLst>
+          </p:cNvPr>
+          <p:cNvSpPr>
+            <a:spLocks noGrp="1"/>
+          </p:cNvSpPr>
+          <p:nvPr>
+            <p:ph idx="1"/>
+          </p:nvPr>
+        </p:nvSpPr>
+        <p:spPr>
+          <a:xfrm>
+            <a:off x="323528" y="1196753"/>
+            <a:ext cx="8568952" cy="1153865"/>
+          </a:xfrm>
+        </p:spPr>
+        <p:txBody>
+          <a:bodyPr>
+            <a:normAutofit fontScale="77500" lnSpcReduction="20000"/>
+          </a:bodyPr>
+          <a:lstStyle/>
+          <a:p>
+            <a:r>
+              <a:rPr lang="en-US" altLang="en-US" dirty="0"/>
+              <a:t>DI-Migrate performs too many memory page migrations for MPI. Migrations are expensive on NUMA.</a:t>
+            </a:r>
+            <a:endParaRPr lang="en-SE" dirty="0"/>
+          </a:p>
+        </p:txBody>
+      </p:sp>
+      <p:sp>
+        <p:nvSpPr>
+          <p:cNvPr id="4" name="Slide Number Placeholder 3">
+            <a:extLst>
+              <a:ext uri="{FF2B5EF4-FFF2-40B4-BE49-F238E27FC236}">
+                <a16:creationId xmlns:a16="http://schemas.microsoft.com/office/drawing/2014/main" id="{02F633E1-4B99-4163-81EF-D50E29EB53E5}"/>
+              </a:ext>
+            </a:extLst>
+          </p:cNvPr>
+          <p:cNvSpPr>
+            <a:spLocks noGrp="1"/>
+          </p:cNvSpPr>
+          <p:nvPr>
+            <p:ph type="sldNum" sz="quarter" idx="12"/>
+          </p:nvPr>
+        </p:nvSpPr>
+        <p:spPr/>
+        <p:txBody>
+          <a:bodyPr/>
+          <a:lstStyle/>
+          <a:p>
+            <a:pPr>
+              <a:defRPr/>
+            </a:pPr>
+            <a:fld id="{F57F456A-00AF-44E6-8D70-638C0D0130FF}" type="slidenum">
+              <a:rPr lang="en-US" altLang="zh-CN" smtClean="0"/>
+              <a:pPr>
+                <a:defRPr/>
+              </a:pPr>
+              <a:t>14</a:t>
+            </a:fld>
+            <a:endParaRPr lang="en-US" altLang="zh-CN" dirty="0"/>
+          </a:p>
+        </p:txBody>
+      </p:sp>
+      <p:pic>
+        <p:nvPicPr>
+          <p:cNvPr id="5" name="Picture 4">
+            <a:extLst>
+              <a:ext uri="{FF2B5EF4-FFF2-40B4-BE49-F238E27FC236}">
+                <a16:creationId xmlns:a16="http://schemas.microsoft.com/office/drawing/2014/main" id="{D1CBA27B-1DB1-4B31-AEBE-3F2F166ADD02}"/>
+              </a:ext>
+            </a:extLst>
+          </p:cNvPr>
+          <p:cNvPicPr>
+            <a:picLocks noChangeAspect="1"/>
+          </p:cNvPicPr>
+          <p:nvPr/>
+        </p:nvPicPr>
+        <p:blipFill>
+          <a:blip r:embed="rId2"/>
+          <a:stretch>
+            <a:fillRect/>
+          </a:stretch>
+        </p:blipFill>
+        <p:spPr>
+          <a:xfrm>
+            <a:off x="989602" y="2350618"/>
+            <a:ext cx="7164796" cy="4507382"/>
+          </a:xfrm>
+          <a:prstGeom prst="rect">
+            <a:avLst/>
+          </a:prstGeom>
+        </p:spPr>
+      </p:pic>
+    </p:spTree>
+    <p:extLst>
+      <p:ext uri="{BB962C8B-B14F-4D97-AF65-F5344CB8AC3E}">
+        <p14:creationId xmlns:p14="http://schemas.microsoft.com/office/powerpoint/2010/main" val="1102345671"/>
+      </p:ext>
+    </p:extLst>
+  </p:cSld>
+  <p:clrMapOvr>
+    <a:masterClrMapping/>
+  </p:clrMapOvr>
+</p:sld>
+</file>
+
+<file path=ppt/slides/slide15.xml><?xml version="1.0" encoding="utf-8"?>
+<p:sld xmlns:a="http://schemas.openxmlformats.org/drawingml/2006/main" xmlns:r="http://schemas.openxmlformats.org/officeDocument/2006/relationships" xmlns:p="http://schemas.openxmlformats.org/presentationml/2006/main">
+  <p:cSld>
+    <p:spTree>
+      <p:nvGrpSpPr>
+        <p:cNvPr id="1" name=""/>
+        <p:cNvGrpSpPr/>
+        <p:nvPr/>
+      </p:nvGrpSpPr>
+      <p:grpSpPr>
+        <a:xfrm>
+          <a:off x="0" y="0"/>
+          <a:ext cx="0" cy="0"/>
+          <a:chOff x="0" y="0"/>
+          <a:chExt cx="0" cy="0"/>
+        </a:xfrm>
+      </p:grpSpPr>
+      <p:sp>
+        <p:nvSpPr>
+          <p:cNvPr id="2" name="Title 1">
+            <a:extLst>
+              <a:ext uri="{FF2B5EF4-FFF2-40B4-BE49-F238E27FC236}">
+                <a16:creationId xmlns:a16="http://schemas.microsoft.com/office/drawing/2014/main" id="{FAA78333-D96A-4BA4-8D91-75B95F5765F6}"/>
+              </a:ext>
+            </a:extLst>
+          </p:cNvPr>
+          <p:cNvSpPr>
+            <a:spLocks noGrp="1"/>
+          </p:cNvSpPr>
+          <p:nvPr>
+            <p:ph type="title"/>
+          </p:nvPr>
+        </p:nvSpPr>
+        <p:spPr/>
+        <p:txBody>
+          <a:bodyPr/>
+          <a:lstStyle/>
+          <a:p>
+            <a:r>
+              <a:rPr lang="en-US" altLang="en-US" dirty="0"/>
+              <a:t>Solution #2: Distributed Intensity NUMA Online (DINO)</a:t>
+            </a:r>
+            <a:endParaRPr lang="en-SE" dirty="0"/>
+          </a:p>
+        </p:txBody>
+      </p:sp>
+      <p:sp>
+        <p:nvSpPr>
+          <p:cNvPr id="3" name="Content Placeholder 2">
+            <a:extLst>
+              <a:ext uri="{FF2B5EF4-FFF2-40B4-BE49-F238E27FC236}">
+                <a16:creationId xmlns:a16="http://schemas.microsoft.com/office/drawing/2014/main" id="{86640BDD-41AD-4762-9B8D-E362B2B6F37F}"/>
+              </a:ext>
+            </a:extLst>
+          </p:cNvPr>
+          <p:cNvSpPr>
+            <a:spLocks noGrp="1"/>
+          </p:cNvSpPr>
+          <p:nvPr>
+            <p:ph idx="1"/>
+          </p:nvPr>
+        </p:nvSpPr>
+        <p:spPr/>
+        <p:txBody>
+          <a:bodyPr/>
+          <a:lstStyle/>
+          <a:p>
+            <a:endParaRPr lang="en-SE"/>
+          </a:p>
+        </p:txBody>
+      </p:sp>
+      <p:sp>
+        <p:nvSpPr>
+          <p:cNvPr id="4" name="Slide Number Placeholder 3">
+            <a:extLst>
+              <a:ext uri="{FF2B5EF4-FFF2-40B4-BE49-F238E27FC236}">
+                <a16:creationId xmlns:a16="http://schemas.microsoft.com/office/drawing/2014/main" id="{AB789A76-981A-48CA-A818-B5FA6BFA7F42}"/>
+              </a:ext>
+            </a:extLst>
+          </p:cNvPr>
+          <p:cNvSpPr>
+            <a:spLocks noGrp="1"/>
+          </p:cNvSpPr>
+          <p:nvPr>
+            <p:ph type="sldNum" sz="quarter" idx="12"/>
+          </p:nvPr>
+        </p:nvSpPr>
+        <p:spPr/>
+        <p:txBody>
+          <a:bodyPr/>
+          <a:lstStyle/>
+          <a:p>
+            <a:pPr>
+              <a:defRPr/>
+            </a:pPr>
+            <a:fld id="{F57F456A-00AF-44E6-8D70-638C0D0130FF}" type="slidenum">
+              <a:rPr lang="en-US" altLang="zh-CN" smtClean="0"/>
+              <a:pPr>
+                <a:defRPr/>
+              </a:pPr>
+              <a:t>15</a:t>
+            </a:fld>
+            <a:endParaRPr lang="en-US" altLang="zh-CN" dirty="0"/>
+          </a:p>
+        </p:txBody>
+      </p:sp>
+      <p:pic>
+        <p:nvPicPr>
+          <p:cNvPr id="5" name="Picture 4">
+            <a:extLst>
+              <a:ext uri="{FF2B5EF4-FFF2-40B4-BE49-F238E27FC236}">
+                <a16:creationId xmlns:a16="http://schemas.microsoft.com/office/drawing/2014/main" id="{1E430201-ED5F-4A09-971D-5250C08D38C9}"/>
+              </a:ext>
+            </a:extLst>
+          </p:cNvPr>
+          <p:cNvPicPr>
+            <a:picLocks noChangeAspect="1"/>
+          </p:cNvPicPr>
+          <p:nvPr/>
+        </p:nvPicPr>
+        <p:blipFill>
+          <a:blip r:embed="rId2"/>
+          <a:stretch>
+            <a:fillRect/>
+          </a:stretch>
+        </p:blipFill>
+        <p:spPr>
+          <a:xfrm>
+            <a:off x="607898" y="1585286"/>
+            <a:ext cx="8000212" cy="5089917"/>
+          </a:xfrm>
+          <a:prstGeom prst="rect">
+            <a:avLst/>
+          </a:prstGeom>
+        </p:spPr>
+      </p:pic>
+    </p:spTree>
+    <p:extLst>
+      <p:ext uri="{BB962C8B-B14F-4D97-AF65-F5344CB8AC3E}">
+        <p14:creationId xmlns:p14="http://schemas.microsoft.com/office/powerpoint/2010/main" val="3978142876"/>
+      </p:ext>
+    </p:extLst>
+  </p:cSld>
+  <p:clrMapOvr>
+    <a:masterClrMapping/>
+  </p:clrMapOvr>
+</p:sld>
+</file>
+
+<file path=ppt/slides/slide16.xml><?xml version="1.0" encoding="utf-8"?>
+<p:sld xmlns:a="http://schemas.openxmlformats.org/drawingml/2006/main" xmlns:r="http://schemas.openxmlformats.org/officeDocument/2006/relationships" xmlns:p="http://schemas.openxmlformats.org/presentationml/2006/main">
+  <p:cSld>
+    <p:spTree>
+      <p:nvGrpSpPr>
+        <p:cNvPr id="1" name=""/>
+        <p:cNvGrpSpPr/>
+        <p:nvPr/>
+      </p:nvGrpSpPr>
+      <p:grpSpPr>
+        <a:xfrm>
+          <a:off x="0" y="0"/>
+          <a:ext cx="0" cy="0"/>
+          <a:chOff x="0" y="0"/>
+          <a:chExt cx="0" cy="0"/>
+        </a:xfrm>
+      </p:grpSpPr>
+      <p:sp>
+        <p:nvSpPr>
+          <p:cNvPr id="2" name="Title 1">
+            <a:extLst>
+              <a:ext uri="{FF2B5EF4-FFF2-40B4-BE49-F238E27FC236}">
+                <a16:creationId xmlns:a16="http://schemas.microsoft.com/office/drawing/2014/main" id="{61E41910-79DF-457A-BBF0-0C0E7786755F}"/>
+              </a:ext>
+            </a:extLst>
+          </p:cNvPr>
+          <p:cNvSpPr>
+            <a:spLocks noGrp="1"/>
+          </p:cNvSpPr>
+          <p:nvPr>
+            <p:ph type="title"/>
+          </p:nvPr>
+        </p:nvSpPr>
+        <p:spPr/>
+        <p:txBody>
+          <a:bodyPr/>
+          <a:lstStyle/>
+          <a:p>
+            <a:r>
+              <a:rPr lang="en-US" dirty="0"/>
+              <a:t>Miss rate vs. degradation</a:t>
+            </a:r>
+            <a:endParaRPr lang="en-SE" dirty="0"/>
+          </a:p>
+        </p:txBody>
+      </p:sp>
+      <p:sp>
+        <p:nvSpPr>
+          <p:cNvPr id="3" name="Content Placeholder 2">
+            <a:extLst>
+              <a:ext uri="{FF2B5EF4-FFF2-40B4-BE49-F238E27FC236}">
+                <a16:creationId xmlns:a16="http://schemas.microsoft.com/office/drawing/2014/main" id="{5AB4B5B1-9142-49C6-8E2D-74E0DFB4EE78}"/>
+              </a:ext>
+            </a:extLst>
+          </p:cNvPr>
+          <p:cNvSpPr>
+            <a:spLocks noGrp="1"/>
+          </p:cNvSpPr>
+          <p:nvPr>
+            <p:ph idx="1"/>
+          </p:nvPr>
+        </p:nvSpPr>
+        <p:spPr>
+          <a:xfrm>
+            <a:off x="323528" y="1196753"/>
+            <a:ext cx="8568952" cy="1440159"/>
+          </a:xfrm>
+        </p:spPr>
+        <p:txBody>
+          <a:bodyPr>
+            <a:normAutofit fontScale="92500" lnSpcReduction="20000"/>
+          </a:bodyPr>
+          <a:lstStyle/>
+          <a:p>
+            <a:r>
+              <a:rPr lang="en-US" dirty="0"/>
+              <a:t>Loose correlation between miss rate and performance degradation, so most migrations will not payoff.</a:t>
+            </a:r>
+            <a:endParaRPr lang="en-SE" dirty="0"/>
+          </a:p>
+        </p:txBody>
+      </p:sp>
+      <p:sp>
+        <p:nvSpPr>
+          <p:cNvPr id="4" name="Slide Number Placeholder 3">
+            <a:extLst>
+              <a:ext uri="{FF2B5EF4-FFF2-40B4-BE49-F238E27FC236}">
+                <a16:creationId xmlns:a16="http://schemas.microsoft.com/office/drawing/2014/main" id="{C971FE17-FC9E-496C-8E98-5F6E7205CC17}"/>
+              </a:ext>
+            </a:extLst>
+          </p:cNvPr>
+          <p:cNvSpPr>
+            <a:spLocks noGrp="1"/>
+          </p:cNvSpPr>
+          <p:nvPr>
+            <p:ph type="sldNum" sz="quarter" idx="12"/>
+          </p:nvPr>
+        </p:nvSpPr>
+        <p:spPr/>
+        <p:txBody>
+          <a:bodyPr/>
+          <a:lstStyle/>
+          <a:p>
+            <a:pPr>
+              <a:defRPr/>
+            </a:pPr>
+            <a:fld id="{F57F456A-00AF-44E6-8D70-638C0D0130FF}" type="slidenum">
+              <a:rPr lang="en-US" altLang="zh-CN" smtClean="0"/>
+              <a:pPr>
+                <a:defRPr/>
+              </a:pPr>
+              <a:t>16</a:t>
+            </a:fld>
+            <a:endParaRPr lang="en-US" altLang="zh-CN" dirty="0"/>
+          </a:p>
+        </p:txBody>
+      </p:sp>
+      <p:pic>
+        <p:nvPicPr>
+          <p:cNvPr id="5" name="Picture 4">
+            <a:extLst>
+              <a:ext uri="{FF2B5EF4-FFF2-40B4-BE49-F238E27FC236}">
+                <a16:creationId xmlns:a16="http://schemas.microsoft.com/office/drawing/2014/main" id="{FEEC6A77-0807-46B2-BD5B-5A7B38875CC1}"/>
+              </a:ext>
+            </a:extLst>
+          </p:cNvPr>
+          <p:cNvPicPr>
+            <a:picLocks noChangeAspect="1"/>
+          </p:cNvPicPr>
+          <p:nvPr/>
+        </p:nvPicPr>
+        <p:blipFill>
+          <a:blip r:embed="rId2"/>
+          <a:stretch>
+            <a:fillRect/>
+          </a:stretch>
+        </p:blipFill>
+        <p:spPr>
+          <a:xfrm>
+            <a:off x="312508" y="2564900"/>
+            <a:ext cx="8507964" cy="4223021"/>
+          </a:xfrm>
+          <a:prstGeom prst="rect">
+            <a:avLst/>
+          </a:prstGeom>
+        </p:spPr>
+      </p:pic>
+    </p:spTree>
+    <p:extLst>
+      <p:ext uri="{BB962C8B-B14F-4D97-AF65-F5344CB8AC3E}">
+        <p14:creationId xmlns:p14="http://schemas.microsoft.com/office/powerpoint/2010/main" val="2010576673"/>
+      </p:ext>
+    </p:extLst>
+  </p:cSld>
+  <p:clrMapOvr>
+    <a:masterClrMapping/>
+  </p:clrMapOvr>
+</p:sld>
+</file>
+
+<file path=ppt/slides/slide17.xml><?xml version="1.0" encoding="utf-8"?>
+<p:sld xmlns:a="http://schemas.openxmlformats.org/drawingml/2006/main" xmlns:r="http://schemas.openxmlformats.org/officeDocument/2006/relationships" xmlns:p="http://schemas.openxmlformats.org/presentationml/2006/main">
+  <p:cSld>
+    <p:spTree>
+      <p:nvGrpSpPr>
+        <p:cNvPr id="1" name=""/>
+        <p:cNvGrpSpPr/>
+        <p:nvPr/>
+      </p:nvGrpSpPr>
+      <p:grpSpPr>
+        <a:xfrm>
+          <a:off x="0" y="0"/>
+          <a:ext cx="0" cy="0"/>
+          <a:chOff x="0" y="0"/>
+          <a:chExt cx="0" cy="0"/>
+        </a:xfrm>
+      </p:grpSpPr>
+      <p:sp>
+        <p:nvSpPr>
+          <p:cNvPr id="2" name="Title 1">
+            <a:extLst>
+              <a:ext uri="{FF2B5EF4-FFF2-40B4-BE49-F238E27FC236}">
+                <a16:creationId xmlns:a16="http://schemas.microsoft.com/office/drawing/2014/main" id="{A8049DBC-AB76-4EEE-9914-E43EA350068B}"/>
+              </a:ext>
+            </a:extLst>
+          </p:cNvPr>
+          <p:cNvSpPr>
+            <a:spLocks noGrp="1"/>
+          </p:cNvSpPr>
+          <p:nvPr>
+            <p:ph type="title"/>
+          </p:nvPr>
+        </p:nvSpPr>
+        <p:spPr/>
+        <p:txBody>
+          <a:bodyPr/>
+          <a:lstStyle/>
+          <a:p>
+            <a:r>
+              <a:rPr lang="en-US" altLang="en-US" dirty="0"/>
+              <a:t>Summary</a:t>
+            </a:r>
+            <a:endParaRPr lang="en-SE" dirty="0"/>
+          </a:p>
+        </p:txBody>
+      </p:sp>
+      <p:sp>
+        <p:nvSpPr>
+          <p:cNvPr id="3" name="Content Placeholder 2">
+            <a:extLst>
+              <a:ext uri="{FF2B5EF4-FFF2-40B4-BE49-F238E27FC236}">
+                <a16:creationId xmlns:a16="http://schemas.microsoft.com/office/drawing/2014/main" id="{E299C669-1AAF-4CCA-A058-784D455D395E}"/>
+              </a:ext>
+            </a:extLst>
+          </p:cNvPr>
+          <p:cNvSpPr>
+            <a:spLocks noGrp="1"/>
+          </p:cNvSpPr>
+          <p:nvPr>
+            <p:ph idx="1"/>
+          </p:nvPr>
+        </p:nvSpPr>
+        <p:spPr/>
+        <p:txBody>
+          <a:bodyPr>
+            <a:normAutofit fontScale="85000" lnSpcReduction="20000"/>
+          </a:bodyPr>
+          <a:lstStyle/>
+          <a:p>
+            <a:r>
+              <a:rPr lang="en-US" b="1" dirty="0"/>
+              <a:t>On NUMA systems we need to schedule threads </a:t>
+            </a:r>
+            <a:r>
+              <a:rPr lang="en-US" b="1" i="1" dirty="0"/>
+              <a:t>and memory</a:t>
+            </a:r>
+          </a:p>
+          <a:p>
+            <a:pPr lvl="1"/>
+            <a:r>
+              <a:rPr lang="en-US" dirty="0"/>
+              <a:t>Memory Controller contention when memory is not migrated</a:t>
+            </a:r>
+          </a:p>
+          <a:p>
+            <a:pPr lvl="1"/>
+            <a:r>
+              <a:rPr lang="en-US" dirty="0"/>
+              <a:t>Interconnect Contention when memory is migrated too frequently</a:t>
+            </a:r>
+          </a:p>
+          <a:p>
+            <a:r>
+              <a:rPr lang="en-US" b="1" dirty="0"/>
+              <a:t>DINO is the contention-aware scheduling algorithm for NUMA systems that</a:t>
+            </a:r>
+          </a:p>
+          <a:p>
+            <a:pPr lvl="1"/>
+            <a:r>
+              <a:rPr lang="en-US" dirty="0"/>
+              <a:t>migrates the memory along with the application</a:t>
+            </a:r>
+          </a:p>
+          <a:p>
+            <a:pPr lvl="1"/>
+            <a:r>
+              <a:rPr lang="en-US" dirty="0"/>
+              <a:t>eliminates excessive migrations by trying to keep the workload on their old nodes, </a:t>
+            </a:r>
+          </a:p>
+          <a:p>
+            <a:pPr lvl="1"/>
+            <a:r>
+              <a:rPr lang="en-US" dirty="0"/>
+              <a:t>if possible, utilizes Instruction Based Sampling to perform partial memory migration of “hot” pages</a:t>
+            </a:r>
+            <a:endParaRPr lang="en-SE" dirty="0"/>
+          </a:p>
+        </p:txBody>
+      </p:sp>
+      <p:sp>
+        <p:nvSpPr>
+          <p:cNvPr id="4" name="Slide Number Placeholder 3">
+            <a:extLst>
+              <a:ext uri="{FF2B5EF4-FFF2-40B4-BE49-F238E27FC236}">
+                <a16:creationId xmlns:a16="http://schemas.microsoft.com/office/drawing/2014/main" id="{D7E079FD-FE78-406B-9FDA-721B90E3EAA6}"/>
+              </a:ext>
+            </a:extLst>
+          </p:cNvPr>
+          <p:cNvSpPr>
+            <a:spLocks noGrp="1"/>
+          </p:cNvSpPr>
+          <p:nvPr>
+            <p:ph type="sldNum" sz="quarter" idx="12"/>
+          </p:nvPr>
+        </p:nvSpPr>
+        <p:spPr/>
+        <p:txBody>
+          <a:bodyPr/>
+          <a:lstStyle/>
+          <a:p>
+            <a:pPr>
+              <a:defRPr/>
+            </a:pPr>
+            <a:fld id="{F57F456A-00AF-44E6-8D70-638C0D0130FF}" type="slidenum">
+              <a:rPr lang="en-US" altLang="zh-CN" smtClean="0"/>
+              <a:pPr>
+                <a:defRPr/>
+              </a:pPr>
+              <a:t>17</a:t>
+            </a:fld>
+            <a:endParaRPr lang="en-US" altLang="zh-CN" dirty="0"/>
+          </a:p>
+        </p:txBody>
+      </p:sp>
+    </p:spTree>
+    <p:extLst>
+      <p:ext uri="{BB962C8B-B14F-4D97-AF65-F5344CB8AC3E}">
+        <p14:creationId xmlns:p14="http://schemas.microsoft.com/office/powerpoint/2010/main" val="420319761"/>
+      </p:ext>
+    </p:extLst>
+  </p:cSld>
+  <p:clrMapOvr>
+    <a:masterClrMapping/>
+  </p:clrMapOvr>
+</p:sld>
+</file>
+
 <file path=ppt/slides/slide2.xml><?xml version="1.0" encoding="utf-8"?>
 <p:sld xmlns:a="http://schemas.openxmlformats.org/drawingml/2006/main" xmlns:r="http://schemas.openxmlformats.org/officeDocument/2006/relationships" xmlns:p="http://schemas.openxmlformats.org/presentationml/2006/main">
   <p:cSld>
@@ -3313,7 +4646,11 @@
           <a:bodyPr/>
           <a:lstStyle/>
           <a:p>
-            <a:endParaRPr lang="en-SE"/>
+            <a:r>
+              <a:rPr lang="en-US" altLang="en-US" dirty="0"/>
+              <a:t>Contention for the shared last-level cache (CA)</a:t>
+            </a:r>
+            <a:endParaRPr lang="en-SE" dirty="0"/>
           </a:p>
         </p:txBody>
       </p:sp>
@@ -3399,8 +4736,8 @@
         </p:blipFill>
         <p:spPr>
           <a:xfrm>
-            <a:off x="1187624" y="1229280"/>
-            <a:ext cx="7338469" cy="5436403"/>
+            <a:off x="1024132" y="1336504"/>
+            <a:ext cx="7095736" cy="5256584"/>
           </a:xfrm>
           <a:prstGeom prst="rect">
             <a:avLst/>
@@ -3458,7 +4795,11 @@
           <a:bodyPr/>
           <a:lstStyle/>
           <a:p>
-            <a:endParaRPr lang="en-SE"/>
+            <a:r>
+              <a:rPr lang="en-US" altLang="en-US" dirty="0"/>
+              <a:t>Contention for the memory controller (MC)</a:t>
+            </a:r>
+            <a:endParaRPr lang="en-SE" dirty="0"/>
           </a:p>
         </p:txBody>
       </p:sp>
@@ -3544,8 +4885,801 @@
         </p:blipFill>
         <p:spPr>
           <a:xfrm>
-            <a:off x="6828769" y="1041658"/>
-            <a:ext cx="5210902" cy="3896269"/>
+            <a:off x="1002532" y="1310931"/>
+            <a:ext cx="7138936" cy="5337889"/>
+          </a:xfrm>
+          <a:prstGeom prst="rect">
+            <a:avLst/>
+          </a:prstGeom>
+        </p:spPr>
+      </p:pic>
+    </p:spTree>
+    <p:extLst>
+      <p:ext uri="{BB962C8B-B14F-4D97-AF65-F5344CB8AC3E}">
+        <p14:creationId xmlns:p14="http://schemas.microsoft.com/office/powerpoint/2010/main" val="2239326396"/>
+      </p:ext>
+    </p:extLst>
+  </p:cSld>
+  <p:clrMapOvr>
+    <a:masterClrMapping/>
+  </p:clrMapOvr>
+</p:sld>
+</file>
+
+<file path=ppt/slides/slide5.xml><?xml version="1.0" encoding="utf-8"?>
+<p:sld xmlns:a="http://schemas.openxmlformats.org/drawingml/2006/main" xmlns:r="http://schemas.openxmlformats.org/officeDocument/2006/relationships" xmlns:p="http://schemas.openxmlformats.org/presentationml/2006/main">
+  <p:cSld>
+    <p:spTree>
+      <p:nvGrpSpPr>
+        <p:cNvPr id="1" name=""/>
+        <p:cNvGrpSpPr/>
+        <p:nvPr/>
+      </p:nvGrpSpPr>
+      <p:grpSpPr>
+        <a:xfrm>
+          <a:off x="0" y="0"/>
+          <a:ext cx="0" cy="0"/>
+          <a:chOff x="0" y="0"/>
+          <a:chExt cx="0" cy="0"/>
+        </a:xfrm>
+      </p:grpSpPr>
+      <p:sp>
+        <p:nvSpPr>
+          <p:cNvPr id="2" name="Title 1">
+            <a:extLst>
+              <a:ext uri="{FF2B5EF4-FFF2-40B4-BE49-F238E27FC236}">
+                <a16:creationId xmlns:a16="http://schemas.microsoft.com/office/drawing/2014/main" id="{2B3748D0-4F5E-420D-8689-3409C20F87AA}"/>
+              </a:ext>
+            </a:extLst>
+          </p:cNvPr>
+          <p:cNvSpPr>
+            <a:spLocks noGrp="1"/>
+          </p:cNvSpPr>
+          <p:nvPr>
+            <p:ph type="title"/>
+          </p:nvPr>
+        </p:nvSpPr>
+        <p:spPr/>
+        <p:txBody>
+          <a:bodyPr/>
+          <a:lstStyle/>
+          <a:p>
+            <a:r>
+              <a:rPr lang="en-US" altLang="en-US" dirty="0"/>
+              <a:t>Contention for the inter-domain interconnect (IC)</a:t>
+            </a:r>
+            <a:endParaRPr lang="en-SE" dirty="0"/>
+          </a:p>
+        </p:txBody>
+      </p:sp>
+      <p:sp>
+        <p:nvSpPr>
+          <p:cNvPr id="3" name="Content Placeholder 2">
+            <a:extLst>
+              <a:ext uri="{FF2B5EF4-FFF2-40B4-BE49-F238E27FC236}">
+                <a16:creationId xmlns:a16="http://schemas.microsoft.com/office/drawing/2014/main" id="{F92EE9B0-18AD-4739-B52F-0F9D0647777B}"/>
+              </a:ext>
+            </a:extLst>
+          </p:cNvPr>
+          <p:cNvSpPr>
+            <a:spLocks noGrp="1"/>
+          </p:cNvSpPr>
+          <p:nvPr>
+            <p:ph idx="1"/>
+          </p:nvPr>
+        </p:nvSpPr>
+        <p:spPr/>
+        <p:txBody>
+          <a:bodyPr/>
+          <a:lstStyle/>
+          <a:p>
+            <a:endParaRPr lang="en-SE" dirty="0"/>
+          </a:p>
+        </p:txBody>
+      </p:sp>
+      <p:sp>
+        <p:nvSpPr>
+          <p:cNvPr id="4" name="Slide Number Placeholder 3">
+            <a:extLst>
+              <a:ext uri="{FF2B5EF4-FFF2-40B4-BE49-F238E27FC236}">
+                <a16:creationId xmlns:a16="http://schemas.microsoft.com/office/drawing/2014/main" id="{694A01C7-520A-483A-8E3A-B41EBA9C2B09}"/>
+              </a:ext>
+            </a:extLst>
+          </p:cNvPr>
+          <p:cNvSpPr>
+            <a:spLocks noGrp="1"/>
+          </p:cNvSpPr>
+          <p:nvPr>
+            <p:ph type="sldNum" sz="quarter" idx="12"/>
+          </p:nvPr>
+        </p:nvSpPr>
+        <p:spPr/>
+        <p:txBody>
+          <a:bodyPr/>
+          <a:lstStyle/>
+          <a:p>
+            <a:pPr>
+              <a:defRPr/>
+            </a:pPr>
+            <a:fld id="{F57F456A-00AF-44E6-8D70-638C0D0130FF}" type="slidenum">
+              <a:rPr lang="en-US" altLang="zh-CN" smtClean="0"/>
+              <a:pPr>
+                <a:defRPr/>
+              </a:pPr>
+              <a:t>5</a:t>
+            </a:fld>
+            <a:endParaRPr lang="en-US" altLang="zh-CN" dirty="0"/>
+          </a:p>
+        </p:txBody>
+      </p:sp>
+      <p:pic>
+        <p:nvPicPr>
+          <p:cNvPr id="5" name="Picture 4">
+            <a:extLst>
+              <a:ext uri="{FF2B5EF4-FFF2-40B4-BE49-F238E27FC236}">
+                <a16:creationId xmlns:a16="http://schemas.microsoft.com/office/drawing/2014/main" id="{58AE19DE-ECF2-4DE2-827B-0DCA485925AB}"/>
+              </a:ext>
+            </a:extLst>
+          </p:cNvPr>
+          <p:cNvPicPr>
+            <a:picLocks noChangeAspect="1"/>
+          </p:cNvPicPr>
+          <p:nvPr/>
+        </p:nvPicPr>
+        <p:blipFill>
+          <a:blip r:embed="rId2"/>
+          <a:stretch>
+            <a:fillRect/>
+          </a:stretch>
+        </p:blipFill>
+        <p:spPr>
+          <a:xfrm>
+            <a:off x="996006" y="1349717"/>
+            <a:ext cx="7151988" cy="5324837"/>
+          </a:xfrm>
+          <a:prstGeom prst="rect">
+            <a:avLst/>
+          </a:prstGeom>
+        </p:spPr>
+      </p:pic>
+    </p:spTree>
+    <p:extLst>
+      <p:ext uri="{BB962C8B-B14F-4D97-AF65-F5344CB8AC3E}">
+        <p14:creationId xmlns:p14="http://schemas.microsoft.com/office/powerpoint/2010/main" val="1978024759"/>
+      </p:ext>
+    </p:extLst>
+  </p:cSld>
+  <p:clrMapOvr>
+    <a:masterClrMapping/>
+  </p:clrMapOvr>
+</p:sld>
+</file>
+
+<file path=ppt/slides/slide6.xml><?xml version="1.0" encoding="utf-8"?>
+<p:sld xmlns:a="http://schemas.openxmlformats.org/drawingml/2006/main" xmlns:r="http://schemas.openxmlformats.org/officeDocument/2006/relationships" xmlns:p="http://schemas.openxmlformats.org/presentationml/2006/main">
+  <p:cSld>
+    <p:spTree>
+      <p:nvGrpSpPr>
+        <p:cNvPr id="1" name=""/>
+        <p:cNvGrpSpPr/>
+        <p:nvPr/>
+      </p:nvGrpSpPr>
+      <p:grpSpPr>
+        <a:xfrm>
+          <a:off x="0" y="0"/>
+          <a:ext cx="0" cy="0"/>
+          <a:chOff x="0" y="0"/>
+          <a:chExt cx="0" cy="0"/>
+        </a:xfrm>
+      </p:grpSpPr>
+      <p:sp>
+        <p:nvSpPr>
+          <p:cNvPr id="2" name="Title 1">
+            <a:extLst>
+              <a:ext uri="{FF2B5EF4-FFF2-40B4-BE49-F238E27FC236}">
+                <a16:creationId xmlns:a16="http://schemas.microsoft.com/office/drawing/2014/main" id="{10744BF1-8E56-4EB3-AADF-07E5B6282D28}"/>
+              </a:ext>
+            </a:extLst>
+          </p:cNvPr>
+          <p:cNvSpPr>
+            <a:spLocks noGrp="1"/>
+          </p:cNvSpPr>
+          <p:nvPr>
+            <p:ph type="title"/>
+          </p:nvPr>
+        </p:nvSpPr>
+        <p:spPr/>
+        <p:txBody>
+          <a:bodyPr/>
+          <a:lstStyle/>
+          <a:p>
+            <a:r>
+              <a:rPr lang="en-US" altLang="en-US" dirty="0"/>
+              <a:t>Remote access latency (RL)</a:t>
+            </a:r>
+            <a:endParaRPr lang="en-SE" dirty="0"/>
+          </a:p>
+        </p:txBody>
+      </p:sp>
+      <p:sp>
+        <p:nvSpPr>
+          <p:cNvPr id="3" name="Content Placeholder 2">
+            <a:extLst>
+              <a:ext uri="{FF2B5EF4-FFF2-40B4-BE49-F238E27FC236}">
+                <a16:creationId xmlns:a16="http://schemas.microsoft.com/office/drawing/2014/main" id="{3006BD90-7847-4CB7-A608-42032E4A0E59}"/>
+              </a:ext>
+            </a:extLst>
+          </p:cNvPr>
+          <p:cNvSpPr>
+            <a:spLocks noGrp="1"/>
+          </p:cNvSpPr>
+          <p:nvPr>
+            <p:ph idx="1"/>
+          </p:nvPr>
+        </p:nvSpPr>
+        <p:spPr/>
+        <p:txBody>
+          <a:bodyPr/>
+          <a:lstStyle/>
+          <a:p>
+            <a:endParaRPr lang="en-SE"/>
+          </a:p>
+        </p:txBody>
+      </p:sp>
+      <p:sp>
+        <p:nvSpPr>
+          <p:cNvPr id="4" name="Slide Number Placeholder 3">
+            <a:extLst>
+              <a:ext uri="{FF2B5EF4-FFF2-40B4-BE49-F238E27FC236}">
+                <a16:creationId xmlns:a16="http://schemas.microsoft.com/office/drawing/2014/main" id="{7F9A0AF2-3D98-4153-AEA7-8200C6A21FA6}"/>
+              </a:ext>
+            </a:extLst>
+          </p:cNvPr>
+          <p:cNvSpPr>
+            <a:spLocks noGrp="1"/>
+          </p:cNvSpPr>
+          <p:nvPr>
+            <p:ph type="sldNum" sz="quarter" idx="12"/>
+          </p:nvPr>
+        </p:nvSpPr>
+        <p:spPr/>
+        <p:txBody>
+          <a:bodyPr/>
+          <a:lstStyle/>
+          <a:p>
+            <a:pPr>
+              <a:defRPr/>
+            </a:pPr>
+            <a:fld id="{F57F456A-00AF-44E6-8D70-638C0D0130FF}" type="slidenum">
+              <a:rPr lang="en-US" altLang="zh-CN" smtClean="0"/>
+              <a:pPr>
+                <a:defRPr/>
+              </a:pPr>
+              <a:t>6</a:t>
+            </a:fld>
+            <a:endParaRPr lang="en-US" altLang="zh-CN" dirty="0"/>
+          </a:p>
+        </p:txBody>
+      </p:sp>
+      <p:pic>
+        <p:nvPicPr>
+          <p:cNvPr id="5" name="Picture 4">
+            <a:extLst>
+              <a:ext uri="{FF2B5EF4-FFF2-40B4-BE49-F238E27FC236}">
+                <a16:creationId xmlns:a16="http://schemas.microsoft.com/office/drawing/2014/main" id="{5F647F4B-9232-4EF0-ADA7-A7EAFBF3491A}"/>
+              </a:ext>
+            </a:extLst>
+          </p:cNvPr>
+          <p:cNvPicPr>
+            <a:picLocks noChangeAspect="1"/>
+          </p:cNvPicPr>
+          <p:nvPr/>
+        </p:nvPicPr>
+        <p:blipFill>
+          <a:blip r:embed="rId2"/>
+          <a:stretch>
+            <a:fillRect/>
+          </a:stretch>
+        </p:blipFill>
+        <p:spPr>
+          <a:xfrm>
+            <a:off x="1032010" y="1366948"/>
+            <a:ext cx="7151988" cy="5298735"/>
+          </a:xfrm>
+          <a:prstGeom prst="rect">
+            <a:avLst/>
+          </a:prstGeom>
+        </p:spPr>
+      </p:pic>
+    </p:spTree>
+    <p:extLst>
+      <p:ext uri="{BB962C8B-B14F-4D97-AF65-F5344CB8AC3E}">
+        <p14:creationId xmlns:p14="http://schemas.microsoft.com/office/powerpoint/2010/main" val="1187464756"/>
+      </p:ext>
+    </p:extLst>
+  </p:cSld>
+  <p:clrMapOvr>
+    <a:masterClrMapping/>
+  </p:clrMapOvr>
+</p:sld>
+</file>
+
+<file path=ppt/slides/slide7.xml><?xml version="1.0" encoding="utf-8"?>
+<p:sld xmlns:a="http://schemas.openxmlformats.org/drawingml/2006/main" xmlns:r="http://schemas.openxmlformats.org/officeDocument/2006/relationships" xmlns:p="http://schemas.openxmlformats.org/presentationml/2006/main">
+  <p:cSld>
+    <p:spTree>
+      <p:nvGrpSpPr>
+        <p:cNvPr id="1" name=""/>
+        <p:cNvGrpSpPr/>
+        <p:nvPr/>
+      </p:nvGrpSpPr>
+      <p:grpSpPr>
+        <a:xfrm>
+          <a:off x="0" y="0"/>
+          <a:ext cx="0" cy="0"/>
+          <a:chOff x="0" y="0"/>
+          <a:chExt cx="0" cy="0"/>
+        </a:xfrm>
+      </p:grpSpPr>
+      <p:sp>
+        <p:nvSpPr>
+          <p:cNvPr id="2" name="Title 1">
+            <a:extLst>
+              <a:ext uri="{FF2B5EF4-FFF2-40B4-BE49-F238E27FC236}">
+                <a16:creationId xmlns:a16="http://schemas.microsoft.com/office/drawing/2014/main" id="{7E47BBC6-F2C2-496C-8876-AF8DC7316BEE}"/>
+              </a:ext>
+            </a:extLst>
+          </p:cNvPr>
+          <p:cNvSpPr>
+            <a:spLocks noGrp="1"/>
+          </p:cNvSpPr>
+          <p:nvPr>
+            <p:ph type="title"/>
+          </p:nvPr>
+        </p:nvSpPr>
+        <p:spPr/>
+        <p:txBody>
+          <a:bodyPr/>
+          <a:lstStyle/>
+          <a:p>
+            <a:r>
+              <a:rPr lang="en-US" altLang="en-US" dirty="0"/>
+              <a:t>Isolating Memory controller contention (MC)</a:t>
+            </a:r>
+            <a:endParaRPr lang="en-SE" dirty="0"/>
+          </a:p>
+        </p:txBody>
+      </p:sp>
+      <p:sp>
+        <p:nvSpPr>
+          <p:cNvPr id="3" name="Content Placeholder 2">
+            <a:extLst>
+              <a:ext uri="{FF2B5EF4-FFF2-40B4-BE49-F238E27FC236}">
+                <a16:creationId xmlns:a16="http://schemas.microsoft.com/office/drawing/2014/main" id="{F697A22B-4A03-49D2-B1B8-B1EAD9975DAC}"/>
+              </a:ext>
+            </a:extLst>
+          </p:cNvPr>
+          <p:cNvSpPr>
+            <a:spLocks noGrp="1"/>
+          </p:cNvSpPr>
+          <p:nvPr>
+            <p:ph idx="1"/>
+          </p:nvPr>
+        </p:nvSpPr>
+        <p:spPr>
+          <a:xfrm>
+            <a:off x="323528" y="1196754"/>
+            <a:ext cx="8568952" cy="799120"/>
+          </a:xfrm>
+        </p:spPr>
+        <p:txBody>
+          <a:bodyPr>
+            <a:normAutofit fontScale="77500" lnSpcReduction="20000"/>
+          </a:bodyPr>
+          <a:lstStyle/>
+          <a:p>
+            <a:r>
+              <a:rPr lang="en-US" dirty="0"/>
+              <a:t>Run 2 threads A and B in 2 separate domains and send requests to the same memory node.</a:t>
+            </a:r>
+            <a:endParaRPr lang="en-SE" dirty="0"/>
+          </a:p>
+        </p:txBody>
+      </p:sp>
+      <p:sp>
+        <p:nvSpPr>
+          <p:cNvPr id="4" name="Slide Number Placeholder 3">
+            <a:extLst>
+              <a:ext uri="{FF2B5EF4-FFF2-40B4-BE49-F238E27FC236}">
+                <a16:creationId xmlns:a16="http://schemas.microsoft.com/office/drawing/2014/main" id="{D9EA9237-77A7-4B5C-9137-AB59C59D2968}"/>
+              </a:ext>
+            </a:extLst>
+          </p:cNvPr>
+          <p:cNvSpPr>
+            <a:spLocks noGrp="1"/>
+          </p:cNvSpPr>
+          <p:nvPr>
+            <p:ph type="sldNum" sz="quarter" idx="12"/>
+          </p:nvPr>
+        </p:nvSpPr>
+        <p:spPr/>
+        <p:txBody>
+          <a:bodyPr/>
+          <a:lstStyle/>
+          <a:p>
+            <a:pPr>
+              <a:defRPr/>
+            </a:pPr>
+            <a:fld id="{F57F456A-00AF-44E6-8D70-638C0D0130FF}" type="slidenum">
+              <a:rPr lang="en-US" altLang="zh-CN" smtClean="0"/>
+              <a:pPr>
+                <a:defRPr/>
+              </a:pPr>
+              <a:t>7</a:t>
+            </a:fld>
+            <a:endParaRPr lang="en-US" altLang="zh-CN" dirty="0"/>
+          </a:p>
+        </p:txBody>
+      </p:sp>
+      <p:pic>
+        <p:nvPicPr>
+          <p:cNvPr id="5" name="Picture 4">
+            <a:extLst>
+              <a:ext uri="{FF2B5EF4-FFF2-40B4-BE49-F238E27FC236}">
+                <a16:creationId xmlns:a16="http://schemas.microsoft.com/office/drawing/2014/main" id="{7372D608-43A3-486C-BBA0-17EC7A95A0A4}"/>
+              </a:ext>
+            </a:extLst>
+          </p:cNvPr>
+          <p:cNvPicPr>
+            <a:picLocks noChangeAspect="1"/>
+          </p:cNvPicPr>
+          <p:nvPr/>
+        </p:nvPicPr>
+        <p:blipFill>
+          <a:blip r:embed="rId2"/>
+          <a:stretch>
+            <a:fillRect/>
+          </a:stretch>
+        </p:blipFill>
+        <p:spPr>
+          <a:xfrm>
+            <a:off x="1404374" y="1995873"/>
+            <a:ext cx="6335251" cy="4792048"/>
+          </a:xfrm>
+          <a:prstGeom prst="rect">
+            <a:avLst/>
+          </a:prstGeom>
+        </p:spPr>
+      </p:pic>
+    </p:spTree>
+    <p:extLst>
+      <p:ext uri="{BB962C8B-B14F-4D97-AF65-F5344CB8AC3E}">
+        <p14:creationId xmlns:p14="http://schemas.microsoft.com/office/powerpoint/2010/main" val="2169371693"/>
+      </p:ext>
+    </p:extLst>
+  </p:cSld>
+  <p:clrMapOvr>
+    <a:masterClrMapping/>
+  </p:clrMapOvr>
+</p:sld>
+</file>
+
+<file path=ppt/slides/slide8.xml><?xml version="1.0" encoding="utf-8"?>
+<p:sld xmlns:a="http://schemas.openxmlformats.org/drawingml/2006/main" xmlns:r="http://schemas.openxmlformats.org/officeDocument/2006/relationships" xmlns:p="http://schemas.openxmlformats.org/presentationml/2006/main">
+  <p:cSld>
+    <p:spTree>
+      <p:nvGrpSpPr>
+        <p:cNvPr id="1" name=""/>
+        <p:cNvGrpSpPr/>
+        <p:nvPr/>
+      </p:nvGrpSpPr>
+      <p:grpSpPr>
+        <a:xfrm>
+          <a:off x="0" y="0"/>
+          <a:ext cx="0" cy="0"/>
+          <a:chOff x="0" y="0"/>
+          <a:chExt cx="0" cy="0"/>
+        </a:xfrm>
+      </p:grpSpPr>
+      <p:sp>
+        <p:nvSpPr>
+          <p:cNvPr id="2" name="Title 1">
+            <a:extLst>
+              <a:ext uri="{FF2B5EF4-FFF2-40B4-BE49-F238E27FC236}">
+                <a16:creationId xmlns:a16="http://schemas.microsoft.com/office/drawing/2014/main" id="{CBBEF253-2C0E-4ED4-B297-A9D969471C08}"/>
+              </a:ext>
+            </a:extLst>
+          </p:cNvPr>
+          <p:cNvSpPr>
+            <a:spLocks noGrp="1"/>
+          </p:cNvSpPr>
+          <p:nvPr>
+            <p:ph type="title"/>
+          </p:nvPr>
+        </p:nvSpPr>
+        <p:spPr/>
+        <p:txBody>
+          <a:bodyPr/>
+          <a:lstStyle/>
+          <a:p>
+            <a:r>
+              <a:rPr lang="en-US" altLang="en-US" dirty="0"/>
+              <a:t>Dominant degradation factors</a:t>
+            </a:r>
+            <a:endParaRPr lang="en-SE" dirty="0"/>
+          </a:p>
+        </p:txBody>
+      </p:sp>
+      <p:sp>
+        <p:nvSpPr>
+          <p:cNvPr id="3" name="Content Placeholder 2">
+            <a:extLst>
+              <a:ext uri="{FF2B5EF4-FFF2-40B4-BE49-F238E27FC236}">
+                <a16:creationId xmlns:a16="http://schemas.microsoft.com/office/drawing/2014/main" id="{924304C2-D0DA-4179-887E-A443E980852C}"/>
+              </a:ext>
+            </a:extLst>
+          </p:cNvPr>
+          <p:cNvSpPr>
+            <a:spLocks noGrp="1"/>
+          </p:cNvSpPr>
+          <p:nvPr>
+            <p:ph idx="1"/>
+          </p:nvPr>
+        </p:nvSpPr>
+        <p:spPr/>
+        <p:txBody>
+          <a:bodyPr/>
+          <a:lstStyle/>
+          <a:p>
+            <a:endParaRPr lang="en-SE"/>
+          </a:p>
+        </p:txBody>
+      </p:sp>
+      <p:sp>
+        <p:nvSpPr>
+          <p:cNvPr id="4" name="Slide Number Placeholder 3">
+            <a:extLst>
+              <a:ext uri="{FF2B5EF4-FFF2-40B4-BE49-F238E27FC236}">
+                <a16:creationId xmlns:a16="http://schemas.microsoft.com/office/drawing/2014/main" id="{B8301E35-9964-423B-B80F-8D26A1CB08BA}"/>
+              </a:ext>
+            </a:extLst>
+          </p:cNvPr>
+          <p:cNvSpPr>
+            <a:spLocks noGrp="1"/>
+          </p:cNvSpPr>
+          <p:nvPr>
+            <p:ph type="sldNum" sz="quarter" idx="12"/>
+          </p:nvPr>
+        </p:nvSpPr>
+        <p:spPr/>
+        <p:txBody>
+          <a:bodyPr/>
+          <a:lstStyle/>
+          <a:p>
+            <a:pPr>
+              <a:defRPr/>
+            </a:pPr>
+            <a:fld id="{F57F456A-00AF-44E6-8D70-638C0D0130FF}" type="slidenum">
+              <a:rPr lang="en-US" altLang="zh-CN" smtClean="0"/>
+              <a:pPr>
+                <a:defRPr/>
+              </a:pPr>
+              <a:t>8</a:t>
+            </a:fld>
+            <a:endParaRPr lang="en-US" altLang="zh-CN" dirty="0"/>
+          </a:p>
+        </p:txBody>
+      </p:sp>
+      <p:pic>
+        <p:nvPicPr>
+          <p:cNvPr id="5" name="Picture 4">
+            <a:extLst>
+              <a:ext uri="{FF2B5EF4-FFF2-40B4-BE49-F238E27FC236}">
+                <a16:creationId xmlns:a16="http://schemas.microsoft.com/office/drawing/2014/main" id="{CFA22DA4-040E-45DB-B095-4903395DDA23}"/>
+              </a:ext>
+            </a:extLst>
+          </p:cNvPr>
+          <p:cNvPicPr>
+            <a:picLocks noChangeAspect="1"/>
+          </p:cNvPicPr>
+          <p:nvPr/>
+        </p:nvPicPr>
+        <p:blipFill>
+          <a:blip r:embed="rId2"/>
+          <a:stretch>
+            <a:fillRect/>
+          </a:stretch>
+        </p:blipFill>
+        <p:spPr>
+          <a:xfrm>
+            <a:off x="287524" y="1366027"/>
+            <a:ext cx="8568952" cy="5227061"/>
+          </a:xfrm>
+          <a:prstGeom prst="rect">
+            <a:avLst/>
+          </a:prstGeom>
+        </p:spPr>
+      </p:pic>
+    </p:spTree>
+    <p:extLst>
+      <p:ext uri="{BB962C8B-B14F-4D97-AF65-F5344CB8AC3E}">
+        <p14:creationId xmlns:p14="http://schemas.microsoft.com/office/powerpoint/2010/main" val="3067763526"/>
+      </p:ext>
+    </p:extLst>
+  </p:cSld>
+  <p:clrMapOvr>
+    <a:masterClrMapping/>
+  </p:clrMapOvr>
+</p:sld>
+</file>
+
+<file path=ppt/slides/slide9.xml><?xml version="1.0" encoding="utf-8"?>
+<p:sld xmlns:a="http://schemas.openxmlformats.org/drawingml/2006/main" xmlns:r="http://schemas.openxmlformats.org/officeDocument/2006/relationships" xmlns:p="http://schemas.openxmlformats.org/presentationml/2006/main">
+  <p:cSld>
+    <p:spTree>
+      <p:nvGrpSpPr>
+        <p:cNvPr id="1" name=""/>
+        <p:cNvGrpSpPr/>
+        <p:nvPr/>
+      </p:nvGrpSpPr>
+      <p:grpSpPr>
+        <a:xfrm>
+          <a:off x="0" y="0"/>
+          <a:ext cx="0" cy="0"/>
+          <a:chOff x="0" y="0"/>
+          <a:chExt cx="0" cy="0"/>
+        </a:xfrm>
+      </p:grpSpPr>
+      <p:sp>
+        <p:nvSpPr>
+          <p:cNvPr id="2" name="Title 1">
+            <a:extLst>
+              <a:ext uri="{FF2B5EF4-FFF2-40B4-BE49-F238E27FC236}">
+                <a16:creationId xmlns:a16="http://schemas.microsoft.com/office/drawing/2014/main" id="{C37D29F4-26AC-4025-AC03-E26C33B4EEF8}"/>
+              </a:ext>
+            </a:extLst>
+          </p:cNvPr>
+          <p:cNvSpPr>
+            <a:spLocks noGrp="1"/>
+          </p:cNvSpPr>
+          <p:nvPr>
+            <p:ph type="title"/>
+          </p:nvPr>
+        </p:nvSpPr>
+        <p:spPr/>
+        <p:txBody>
+          <a:bodyPr/>
+          <a:lstStyle/>
+          <a:p>
+            <a:r>
+              <a:rPr lang="en-US" altLang="en-US" dirty="0"/>
+              <a:t>Contention-Aware Scheduling</a:t>
+            </a:r>
+            <a:endParaRPr lang="en-SE" dirty="0"/>
+          </a:p>
+        </p:txBody>
+      </p:sp>
+      <p:sp>
+        <p:nvSpPr>
+          <p:cNvPr id="3" name="Content Placeholder 2">
+            <a:extLst>
+              <a:ext uri="{FF2B5EF4-FFF2-40B4-BE49-F238E27FC236}">
+                <a16:creationId xmlns:a16="http://schemas.microsoft.com/office/drawing/2014/main" id="{6D923A2B-3D23-4778-90D3-22F7477980D1}"/>
+              </a:ext>
+            </a:extLst>
+          </p:cNvPr>
+          <p:cNvSpPr>
+            <a:spLocks noGrp="1"/>
+          </p:cNvSpPr>
+          <p:nvPr>
+            <p:ph idx="1"/>
+          </p:nvPr>
+        </p:nvSpPr>
+        <p:spPr>
+          <a:xfrm>
+            <a:off x="323528" y="1196753"/>
+            <a:ext cx="5974214" cy="5256584"/>
+          </a:xfrm>
+        </p:spPr>
+        <p:txBody>
+          <a:bodyPr/>
+          <a:lstStyle/>
+          <a:p>
+            <a:r>
+              <a:rPr lang="en-US" b="1" dirty="0"/>
+              <a:t>Characterization method</a:t>
+            </a:r>
+          </a:p>
+          <a:p>
+            <a:pPr lvl="1"/>
+            <a:r>
+              <a:rPr lang="en-US" dirty="0"/>
+              <a:t>Given two threads, decide if they will hurt each </a:t>
+            </a:r>
+            <a:r>
+              <a:rPr lang="en-US" dirty="0" err="1"/>
+              <a:t>otherʼs</a:t>
+            </a:r>
+            <a:r>
+              <a:rPr lang="en-US" dirty="0"/>
+              <a:t> performance if co-scheduled</a:t>
+            </a:r>
+          </a:p>
+          <a:p>
+            <a:r>
+              <a:rPr lang="en-US" b="1" dirty="0"/>
+              <a:t>Scheduling algorithm</a:t>
+            </a:r>
+          </a:p>
+          <a:p>
+            <a:pPr lvl="1"/>
+            <a:r>
+              <a:rPr lang="en-US" dirty="0"/>
+              <a:t>Separate threads that are expected to interfere</a:t>
+            </a:r>
+            <a:endParaRPr lang="en-SE" dirty="0"/>
+          </a:p>
+        </p:txBody>
+      </p:sp>
+      <p:sp>
+        <p:nvSpPr>
+          <p:cNvPr id="4" name="Slide Number Placeholder 3">
+            <a:extLst>
+              <a:ext uri="{FF2B5EF4-FFF2-40B4-BE49-F238E27FC236}">
+                <a16:creationId xmlns:a16="http://schemas.microsoft.com/office/drawing/2014/main" id="{B9F16CDB-ACD1-49C6-AA40-9B46EAC5B855}"/>
+              </a:ext>
+            </a:extLst>
+          </p:cNvPr>
+          <p:cNvSpPr>
+            <a:spLocks noGrp="1"/>
+          </p:cNvSpPr>
+          <p:nvPr>
+            <p:ph type="sldNum" sz="quarter" idx="12"/>
+          </p:nvPr>
+        </p:nvSpPr>
+        <p:spPr/>
+        <p:txBody>
+          <a:bodyPr/>
+          <a:lstStyle/>
+          <a:p>
+            <a:pPr>
+              <a:defRPr/>
+            </a:pPr>
+            <a:fld id="{F57F456A-00AF-44E6-8D70-638C0D0130FF}" type="slidenum">
+              <a:rPr lang="en-US" altLang="zh-CN" smtClean="0"/>
+              <a:pPr>
+                <a:defRPr/>
+              </a:pPr>
+              <a:t>9</a:t>
+            </a:fld>
+            <a:endParaRPr lang="en-US" altLang="zh-CN" dirty="0"/>
+          </a:p>
+        </p:txBody>
+      </p:sp>
+      <p:pic>
+        <p:nvPicPr>
+          <p:cNvPr id="5" name="Picture 4">
+            <a:extLst>
+              <a:ext uri="{FF2B5EF4-FFF2-40B4-BE49-F238E27FC236}">
+                <a16:creationId xmlns:a16="http://schemas.microsoft.com/office/drawing/2014/main" id="{6FE3597D-CDFB-4166-8EE3-FDE6CCFACFC6}"/>
+              </a:ext>
+            </a:extLst>
+          </p:cNvPr>
+          <p:cNvPicPr>
+            <a:picLocks noChangeAspect="1"/>
+          </p:cNvPicPr>
+          <p:nvPr/>
+        </p:nvPicPr>
+        <p:blipFill>
+          <a:blip r:embed="rId2"/>
+          <a:stretch>
+            <a:fillRect/>
+          </a:stretch>
+        </p:blipFill>
+        <p:spPr>
+          <a:xfrm>
+            <a:off x="6297742" y="1556792"/>
+            <a:ext cx="2577389" cy="1296144"/>
           </a:xfrm>
           <a:prstGeom prst="rect">
             <a:avLst/>
@@ -3557,7 +5691,7 @@
           <p:cNvPr id="6" name="Picture 5">
             <a:extLst>
               <a:ext uri="{FF2B5EF4-FFF2-40B4-BE49-F238E27FC236}">
-                <a16:creationId xmlns:a16="http://schemas.microsoft.com/office/drawing/2014/main" id="{8637073D-DF1F-4413-94C3-609CB1B1AB38}"/>
+                <a16:creationId xmlns:a16="http://schemas.microsoft.com/office/drawing/2014/main" id="{43C95D0B-6601-4813-8097-D3E4D3E2E1B7}"/>
               </a:ext>
             </a:extLst>
           </p:cNvPr>
@@ -3574,8 +5708,8 @@
         </p:blipFill>
         <p:spPr>
           <a:xfrm>
-            <a:off x="4788024" y="3825045"/>
-            <a:ext cx="5220429" cy="3886742"/>
+            <a:off x="6244721" y="4221088"/>
+            <a:ext cx="2630410" cy="1263191"/>
           </a:xfrm>
           <a:prstGeom prst="rect">
             <a:avLst/>
@@ -3585,7 +5719,7 @@
     </p:spTree>
     <p:extLst>
       <p:ext uri="{BB962C8B-B14F-4D97-AF65-F5344CB8AC3E}">
-        <p14:creationId xmlns:p14="http://schemas.microsoft.com/office/powerpoint/2010/main" val="2239326396"/>
+        <p14:creationId xmlns:p14="http://schemas.microsoft.com/office/powerpoint/2010/main" val="1901688258"/>
       </p:ext>
     </p:extLst>
   </p:cSld>
